--- a/deep_fig.pptx
+++ b/deep_fig.pptx
@@ -6,6 +6,7 @@
   </p:sldMasterIdLst>
   <p:sldIdLst>
     <p:sldId id="256" r:id="rId2"/>
+    <p:sldId id="257" r:id="rId3"/>
   </p:sldIdLst>
   <p:sldSz cx="12192000" cy="6858000"/>
   <p:notesSz cx="6858000" cy="9144000"/>
@@ -270,7 +271,7 @@
           <a:p>
             <a:fld id="{1D18B34F-FE1E-4CC2-A086-AEC7512783AF}" type="datetimeFigureOut">
               <a:rPr lang="zh-CN" altLang="en-US" smtClean="0"/>
-              <a:t>2020/3/10</a:t>
+              <a:t>2020/3/13</a:t>
             </a:fld>
             <a:endParaRPr lang="zh-CN" altLang="en-US"/>
           </a:p>
@@ -468,7 +469,7 @@
           <a:p>
             <a:fld id="{1D18B34F-FE1E-4CC2-A086-AEC7512783AF}" type="datetimeFigureOut">
               <a:rPr lang="zh-CN" altLang="en-US" smtClean="0"/>
-              <a:t>2020/3/10</a:t>
+              <a:t>2020/3/13</a:t>
             </a:fld>
             <a:endParaRPr lang="zh-CN" altLang="en-US"/>
           </a:p>
@@ -676,7 +677,7 @@
           <a:p>
             <a:fld id="{1D18B34F-FE1E-4CC2-A086-AEC7512783AF}" type="datetimeFigureOut">
               <a:rPr lang="zh-CN" altLang="en-US" smtClean="0"/>
-              <a:t>2020/3/10</a:t>
+              <a:t>2020/3/13</a:t>
             </a:fld>
             <a:endParaRPr lang="zh-CN" altLang="en-US"/>
           </a:p>
@@ -874,7 +875,7 @@
           <a:p>
             <a:fld id="{1D18B34F-FE1E-4CC2-A086-AEC7512783AF}" type="datetimeFigureOut">
               <a:rPr lang="zh-CN" altLang="en-US" smtClean="0"/>
-              <a:t>2020/3/10</a:t>
+              <a:t>2020/3/13</a:t>
             </a:fld>
             <a:endParaRPr lang="zh-CN" altLang="en-US"/>
           </a:p>
@@ -1149,7 +1150,7 @@
           <a:p>
             <a:fld id="{1D18B34F-FE1E-4CC2-A086-AEC7512783AF}" type="datetimeFigureOut">
               <a:rPr lang="zh-CN" altLang="en-US" smtClean="0"/>
-              <a:t>2020/3/10</a:t>
+              <a:t>2020/3/13</a:t>
             </a:fld>
             <a:endParaRPr lang="zh-CN" altLang="en-US"/>
           </a:p>
@@ -1414,7 +1415,7 @@
           <a:p>
             <a:fld id="{1D18B34F-FE1E-4CC2-A086-AEC7512783AF}" type="datetimeFigureOut">
               <a:rPr lang="zh-CN" altLang="en-US" smtClean="0"/>
-              <a:t>2020/3/10</a:t>
+              <a:t>2020/3/13</a:t>
             </a:fld>
             <a:endParaRPr lang="zh-CN" altLang="en-US"/>
           </a:p>
@@ -1826,7 +1827,7 @@
           <a:p>
             <a:fld id="{1D18B34F-FE1E-4CC2-A086-AEC7512783AF}" type="datetimeFigureOut">
               <a:rPr lang="zh-CN" altLang="en-US" smtClean="0"/>
-              <a:t>2020/3/10</a:t>
+              <a:t>2020/3/13</a:t>
             </a:fld>
             <a:endParaRPr lang="zh-CN" altLang="en-US"/>
           </a:p>
@@ -1967,7 +1968,7 @@
           <a:p>
             <a:fld id="{1D18B34F-FE1E-4CC2-A086-AEC7512783AF}" type="datetimeFigureOut">
               <a:rPr lang="zh-CN" altLang="en-US" smtClean="0"/>
-              <a:t>2020/3/10</a:t>
+              <a:t>2020/3/13</a:t>
             </a:fld>
             <a:endParaRPr lang="zh-CN" altLang="en-US"/>
           </a:p>
@@ -2080,7 +2081,7 @@
           <a:p>
             <a:fld id="{1D18B34F-FE1E-4CC2-A086-AEC7512783AF}" type="datetimeFigureOut">
               <a:rPr lang="zh-CN" altLang="en-US" smtClean="0"/>
-              <a:t>2020/3/10</a:t>
+              <a:t>2020/3/13</a:t>
             </a:fld>
             <a:endParaRPr lang="zh-CN" altLang="en-US"/>
           </a:p>
@@ -2391,7 +2392,7 @@
           <a:p>
             <a:fld id="{1D18B34F-FE1E-4CC2-A086-AEC7512783AF}" type="datetimeFigureOut">
               <a:rPr lang="zh-CN" altLang="en-US" smtClean="0"/>
-              <a:t>2020/3/10</a:t>
+              <a:t>2020/3/13</a:t>
             </a:fld>
             <a:endParaRPr lang="zh-CN" altLang="en-US"/>
           </a:p>
@@ -2679,7 +2680,7 @@
           <a:p>
             <a:fld id="{1D18B34F-FE1E-4CC2-A086-AEC7512783AF}" type="datetimeFigureOut">
               <a:rPr lang="zh-CN" altLang="en-US" smtClean="0"/>
-              <a:t>2020/3/10</a:t>
+              <a:t>2020/3/13</a:t>
             </a:fld>
             <a:endParaRPr lang="zh-CN" altLang="en-US"/>
           </a:p>
@@ -2920,7 +2921,7 @@
           <a:p>
             <a:fld id="{1D18B34F-FE1E-4CC2-A086-AEC7512783AF}" type="datetimeFigureOut">
               <a:rPr lang="zh-CN" altLang="en-US" smtClean="0"/>
-              <a:t>2020/3/10</a:t>
+              <a:t>2020/3/13</a:t>
             </a:fld>
             <a:endParaRPr lang="zh-CN" altLang="en-US"/>
           </a:p>
@@ -3339,10 +3340,10 @@
       </p:grpSpPr>
       <p:grpSp>
         <p:nvGrpSpPr>
-          <p:cNvPr id="34" name="组合 33">
-            <a:extLst>
-              <a:ext uri="{FF2B5EF4-FFF2-40B4-BE49-F238E27FC236}">
-                <a16:creationId xmlns:a16="http://schemas.microsoft.com/office/drawing/2014/main" id="{AFB989D5-99EA-4B5A-9494-272D9F0A9E7F}"/>
+          <p:cNvPr id="26" name="组合 25">
+            <a:extLst>
+              <a:ext uri="{FF2B5EF4-FFF2-40B4-BE49-F238E27FC236}">
+                <a16:creationId xmlns:a16="http://schemas.microsoft.com/office/drawing/2014/main" id="{E019FE09-E9CD-476F-BFB7-7A422DD1D561}"/>
               </a:ext>
             </a:extLst>
           </p:cNvPr>
@@ -3351,18 +3352,18 @@
         </p:nvGrpSpPr>
         <p:grpSpPr>
           <a:xfrm>
-            <a:off x="425686" y="373022"/>
-            <a:ext cx="8913806" cy="6196235"/>
-            <a:chOff x="425686" y="373022"/>
-            <a:chExt cx="8913806" cy="6196235"/>
+            <a:off x="716604" y="496133"/>
+            <a:ext cx="4431159" cy="6073124"/>
+            <a:chOff x="3869708" y="597033"/>
+            <a:chExt cx="4431159" cy="6073124"/>
           </a:xfrm>
         </p:grpSpPr>
         <p:grpSp>
           <p:nvGrpSpPr>
-            <p:cNvPr id="26" name="组合 25">
+            <p:cNvPr id="22" name="组合 21">
               <a:extLst>
                 <a:ext uri="{FF2B5EF4-FFF2-40B4-BE49-F238E27FC236}">
-                  <a16:creationId xmlns:a16="http://schemas.microsoft.com/office/drawing/2014/main" id="{E019FE09-E9CD-476F-BFB7-7A422DD1D561}"/>
+                  <a16:creationId xmlns:a16="http://schemas.microsoft.com/office/drawing/2014/main" id="{4BB156BD-9D18-443E-BD15-3D5167E00C49}"/>
                 </a:ext>
               </a:extLst>
             </p:cNvPr>
@@ -3371,18 +3372,18 @@
           </p:nvGrpSpPr>
           <p:grpSpPr>
             <a:xfrm>
-              <a:off x="716604" y="496133"/>
-              <a:ext cx="4431159" cy="6073124"/>
-              <a:chOff x="3869708" y="597033"/>
-              <a:chExt cx="4431159" cy="6073124"/>
+              <a:off x="3916355" y="936037"/>
+              <a:ext cx="4359289" cy="5734120"/>
+              <a:chOff x="3956287" y="538746"/>
+              <a:chExt cx="4359289" cy="5734120"/>
             </a:xfrm>
           </p:grpSpPr>
           <p:grpSp>
             <p:nvGrpSpPr>
-              <p:cNvPr id="22" name="组合 21">
+              <p:cNvPr id="18" name="组合 17">
                 <a:extLst>
                   <a:ext uri="{FF2B5EF4-FFF2-40B4-BE49-F238E27FC236}">
-                    <a16:creationId xmlns:a16="http://schemas.microsoft.com/office/drawing/2014/main" id="{4BB156BD-9D18-443E-BD15-3D5167E00C49}"/>
+                    <a16:creationId xmlns:a16="http://schemas.microsoft.com/office/drawing/2014/main" id="{540CE89C-F8A6-47FF-8EDC-50093D61FEA9}"/>
                   </a:ext>
                 </a:extLst>
               </p:cNvPr>
@@ -3391,583 +3392,364 @@
             </p:nvGrpSpPr>
             <p:grpSpPr>
               <a:xfrm>
-                <a:off x="3916355" y="936037"/>
-                <a:ext cx="4359289" cy="5734120"/>
+                <a:off x="3956287" y="538746"/>
+                <a:ext cx="4359289" cy="1372778"/>
                 <a:chOff x="3956287" y="538746"/>
-                <a:chExt cx="4359289" cy="5734120"/>
+                <a:chExt cx="4359289" cy="1372778"/>
               </a:xfrm>
             </p:grpSpPr>
-            <p:grpSp>
-              <p:nvGrpSpPr>
-                <p:cNvPr id="18" name="组合 17">
+            <p:pic>
+              <p:nvPicPr>
+                <p:cNvPr id="5" name="图片 4" descr="图片包含 游戏机, 画, 钟表&#10;&#10;描述已自动生成">
                   <a:extLst>
                     <a:ext uri="{FF2B5EF4-FFF2-40B4-BE49-F238E27FC236}">
-                      <a16:creationId xmlns:a16="http://schemas.microsoft.com/office/drawing/2014/main" id="{540CE89C-F8A6-47FF-8EDC-50093D61FEA9}"/>
+                      <a16:creationId xmlns:a16="http://schemas.microsoft.com/office/drawing/2014/main" id="{152BA237-162F-4E7B-AA87-83CCB1BA2211}"/>
                     </a:ext>
                   </a:extLst>
                 </p:cNvPr>
-                <p:cNvGrpSpPr/>
+                <p:cNvPicPr>
+                  <a:picLocks noChangeAspect="1"/>
+                </p:cNvPicPr>
                 <p:nvPr/>
-              </p:nvGrpSpPr>
-              <p:grpSpPr>
+              </p:nvPicPr>
+              <p:blipFill rotWithShape="1">
+                <a:blip r:embed="rId2">
+                  <a:extLst>
+                    <a:ext uri="{28A0092B-C50C-407E-A947-70E740481C1C}">
+                      <a14:useLocalDpi xmlns:a14="http://schemas.microsoft.com/office/drawing/2010/main" val="0"/>
+                    </a:ext>
+                  </a:extLst>
+                </a:blip>
+                <a:srcRect t="6177"/>
+                <a:stretch/>
+              </p:blipFill>
+              <p:spPr>
                 <a:xfrm>
                   <a:off x="3956287" y="538746"/>
-                  <a:ext cx="4359289" cy="1372778"/>
-                  <a:chOff x="3956287" y="538746"/>
-                  <a:chExt cx="4359289" cy="1372778"/>
+                  <a:ext cx="2895851" cy="1372778"/>
                 </a:xfrm>
-              </p:grpSpPr>
-              <p:pic>
-                <p:nvPicPr>
-                  <p:cNvPr id="5" name="图片 4" descr="图片包含 游戏机, 画, 钟表&#10;&#10;描述已自动生成">
-                    <a:extLst>
-                      <a:ext uri="{FF2B5EF4-FFF2-40B4-BE49-F238E27FC236}">
-                        <a16:creationId xmlns:a16="http://schemas.microsoft.com/office/drawing/2014/main" id="{152BA237-162F-4E7B-AA87-83CCB1BA2211}"/>
-                      </a:ext>
-                    </a:extLst>
-                  </p:cNvPr>
-                  <p:cNvPicPr>
-                    <a:picLocks noChangeAspect="1"/>
-                  </p:cNvPicPr>
-                  <p:nvPr/>
-                </p:nvPicPr>
-                <p:blipFill rotWithShape="1">
-                  <a:blip r:embed="rId2">
-                    <a:extLst>
-                      <a:ext uri="{28A0092B-C50C-407E-A947-70E740481C1C}">
-                        <a14:useLocalDpi xmlns:a14="http://schemas.microsoft.com/office/drawing/2010/main" val="0"/>
-                      </a:ext>
-                    </a:extLst>
-                  </a:blip>
-                  <a:srcRect t="6177"/>
-                  <a:stretch/>
-                </p:blipFill>
-                <p:spPr>
-                  <a:xfrm>
-                    <a:off x="3956287" y="538746"/>
-                    <a:ext cx="2895851" cy="1372778"/>
-                  </a:xfrm>
-                  <a:prstGeom prst="rect">
-                    <a:avLst/>
-                  </a:prstGeom>
-                </p:spPr>
-              </p:pic>
-              <p:pic>
-                <p:nvPicPr>
-                  <p:cNvPr id="7" name="图片 6" descr="图片包含 游戏机, 白色, 画&#10;&#10;描述已自动生成">
-                    <a:extLst>
-                      <a:ext uri="{FF2B5EF4-FFF2-40B4-BE49-F238E27FC236}">
-                        <a16:creationId xmlns:a16="http://schemas.microsoft.com/office/drawing/2014/main" id="{EC0FA60E-4582-4A95-9BCD-7FBAB067AE31}"/>
-                      </a:ext>
-                    </a:extLst>
-                  </p:cNvPr>
-                  <p:cNvPicPr>
-                    <a:picLocks noChangeAspect="1"/>
-                  </p:cNvPicPr>
-                  <p:nvPr/>
-                </p:nvPicPr>
-                <p:blipFill>
-                  <a:blip r:embed="rId3">
-                    <a:extLst>
-                      <a:ext uri="{28A0092B-C50C-407E-A947-70E740481C1C}">
-                        <a14:useLocalDpi xmlns:a14="http://schemas.microsoft.com/office/drawing/2010/main" val="0"/>
-                      </a:ext>
-                    </a:extLst>
-                  </a:blip>
-                  <a:stretch>
-                    <a:fillRect/>
-                  </a:stretch>
-                </p:blipFill>
-                <p:spPr>
-                  <a:xfrm>
-                    <a:off x="6989581" y="551358"/>
-                    <a:ext cx="1325995" cy="1295512"/>
-                  </a:xfrm>
-                  <a:prstGeom prst="rect">
-                    <a:avLst/>
-                  </a:prstGeom>
-                </p:spPr>
-              </p:pic>
-            </p:grpSp>
-            <p:grpSp>
-              <p:nvGrpSpPr>
-                <p:cNvPr id="19" name="组合 18">
+                <a:prstGeom prst="rect">
+                  <a:avLst/>
+                </a:prstGeom>
+              </p:spPr>
+            </p:pic>
+            <p:pic>
+              <p:nvPicPr>
+                <p:cNvPr id="7" name="图片 6" descr="图片包含 游戏机, 白色, 画&#10;&#10;描述已自动生成">
                   <a:extLst>
                     <a:ext uri="{FF2B5EF4-FFF2-40B4-BE49-F238E27FC236}">
-                      <a16:creationId xmlns:a16="http://schemas.microsoft.com/office/drawing/2014/main" id="{9DF2E190-B20E-4640-8869-A8943E8023B7}"/>
+                      <a16:creationId xmlns:a16="http://schemas.microsoft.com/office/drawing/2014/main" id="{EC0FA60E-4582-4A95-9BCD-7FBAB067AE31}"/>
                     </a:ext>
                   </a:extLst>
                 </p:cNvPr>
-                <p:cNvGrpSpPr/>
+                <p:cNvPicPr>
+                  <a:picLocks noChangeAspect="1"/>
+                </p:cNvPicPr>
                 <p:nvPr/>
-              </p:nvGrpSpPr>
-              <p:grpSpPr>
+              </p:nvPicPr>
+              <p:blipFill>
+                <a:blip r:embed="rId3">
+                  <a:extLst>
+                    <a:ext uri="{28A0092B-C50C-407E-A947-70E740481C1C}">
+                      <a14:useLocalDpi xmlns:a14="http://schemas.microsoft.com/office/drawing/2010/main" val="0"/>
+                    </a:ext>
+                  </a:extLst>
+                </a:blip>
+                <a:stretch>
+                  <a:fillRect/>
+                </a:stretch>
+              </p:blipFill>
+              <p:spPr>
                 <a:xfrm>
-                  <a:off x="3990579" y="2065008"/>
-                  <a:ext cx="4318690" cy="1322476"/>
-                  <a:chOff x="3990579" y="2065008"/>
-                  <a:chExt cx="4318690" cy="1322476"/>
+                  <a:off x="6989581" y="551358"/>
+                  <a:ext cx="1325995" cy="1295512"/>
                 </a:xfrm>
-              </p:grpSpPr>
-              <p:pic>
-                <p:nvPicPr>
-                  <p:cNvPr id="9" name="图片 8" descr="图片包含 游戏机&#10;&#10;描述已自动生成">
-                    <a:extLst>
-                      <a:ext uri="{FF2B5EF4-FFF2-40B4-BE49-F238E27FC236}">
-                        <a16:creationId xmlns:a16="http://schemas.microsoft.com/office/drawing/2014/main" id="{ECBB0ED8-A82A-4B6B-BD6D-7E48435327E9}"/>
-                      </a:ext>
-                    </a:extLst>
-                  </p:cNvPr>
-                  <p:cNvPicPr>
-                    <a:picLocks noChangeAspect="1"/>
-                  </p:cNvPicPr>
-                  <p:nvPr/>
-                </p:nvPicPr>
-                <p:blipFill rotWithShape="1">
-                  <a:blip r:embed="rId4">
-                    <a:extLst>
-                      <a:ext uri="{28A0092B-C50C-407E-A947-70E740481C1C}">
-                        <a14:useLocalDpi xmlns:a14="http://schemas.microsoft.com/office/drawing/2010/main" val="0"/>
-                      </a:ext>
-                    </a:extLst>
-                  </a:blip>
-                  <a:srcRect t="-1" b="56705"/>
-                  <a:stretch/>
-                </p:blipFill>
-                <p:spPr>
-                  <a:xfrm>
-                    <a:off x="3990579" y="2065008"/>
-                    <a:ext cx="2827265" cy="1309864"/>
-                  </a:xfrm>
-                  <a:prstGeom prst="rect">
-                    <a:avLst/>
-                  </a:prstGeom>
-                </p:spPr>
-              </p:pic>
-              <p:pic>
-                <p:nvPicPr>
-                  <p:cNvPr id="10" name="图片 9" descr="图片包含 游戏机&#10;&#10;描述已自动生成">
-                    <a:extLst>
-                      <a:ext uri="{FF2B5EF4-FFF2-40B4-BE49-F238E27FC236}">
-                        <a16:creationId xmlns:a16="http://schemas.microsoft.com/office/drawing/2014/main" id="{0AA540E5-4AA6-4E1B-A662-6AA8878E4FD3}"/>
-                      </a:ext>
-                    </a:extLst>
-                  </p:cNvPr>
-                  <p:cNvPicPr>
-                    <a:picLocks noChangeAspect="1"/>
-                  </p:cNvPicPr>
-                  <p:nvPr/>
-                </p:nvPicPr>
-                <p:blipFill rotWithShape="1">
-                  <a:blip r:embed="rId4">
-                    <a:extLst>
-                      <a:ext uri="{28A0092B-C50C-407E-A947-70E740481C1C}">
-                        <a14:useLocalDpi xmlns:a14="http://schemas.microsoft.com/office/drawing/2010/main" val="0"/>
-                      </a:ext>
-                    </a:extLst>
-                  </a:blip>
-                  <a:srcRect l="53100" t="56704"/>
-                  <a:stretch/>
-                </p:blipFill>
-                <p:spPr>
-                  <a:xfrm>
-                    <a:off x="6983274" y="2077620"/>
-                    <a:ext cx="1325995" cy="1309864"/>
-                  </a:xfrm>
-                  <a:prstGeom prst="rect">
-                    <a:avLst/>
-                  </a:prstGeom>
-                </p:spPr>
-              </p:pic>
-            </p:grpSp>
-            <p:grpSp>
-              <p:nvGrpSpPr>
-                <p:cNvPr id="20" name="组合 19">
+                <a:prstGeom prst="rect">
+                  <a:avLst/>
+                </a:prstGeom>
+              </p:spPr>
+            </p:pic>
+          </p:grpSp>
+          <p:grpSp>
+            <p:nvGrpSpPr>
+              <p:cNvPr id="19" name="组合 18">
+                <a:extLst>
+                  <a:ext uri="{FF2B5EF4-FFF2-40B4-BE49-F238E27FC236}">
+                    <a16:creationId xmlns:a16="http://schemas.microsoft.com/office/drawing/2014/main" id="{9DF2E190-B20E-4640-8869-A8943E8023B7}"/>
+                  </a:ext>
+                </a:extLst>
+              </p:cNvPr>
+              <p:cNvGrpSpPr/>
+              <p:nvPr/>
+            </p:nvGrpSpPr>
+            <p:grpSpPr>
+              <a:xfrm>
+                <a:off x="3990579" y="2065008"/>
+                <a:ext cx="4318690" cy="1322476"/>
+                <a:chOff x="3990579" y="2065008"/>
+                <a:chExt cx="4318690" cy="1322476"/>
+              </a:xfrm>
+            </p:grpSpPr>
+            <p:pic>
+              <p:nvPicPr>
+                <p:cNvPr id="9" name="图片 8" descr="图片包含 游戏机&#10;&#10;描述已自动生成">
                   <a:extLst>
                     <a:ext uri="{FF2B5EF4-FFF2-40B4-BE49-F238E27FC236}">
-                      <a16:creationId xmlns:a16="http://schemas.microsoft.com/office/drawing/2014/main" id="{D235F57E-77B1-48F7-92A7-BAF72ACEBBB0}"/>
+                      <a16:creationId xmlns:a16="http://schemas.microsoft.com/office/drawing/2014/main" id="{ECBB0ED8-A82A-4B6B-BD6D-7E48435327E9}"/>
                     </a:ext>
                   </a:extLst>
                 </p:cNvPr>
-                <p:cNvGrpSpPr/>
+                <p:cNvPicPr>
+                  <a:picLocks noChangeAspect="1"/>
+                </p:cNvPicPr>
                 <p:nvPr/>
-              </p:nvGrpSpPr>
-              <p:grpSpPr>
+              </p:nvPicPr>
+              <p:blipFill rotWithShape="1">
+                <a:blip r:embed="rId4">
+                  <a:extLst>
+                    <a:ext uri="{28A0092B-C50C-407E-A947-70E740481C1C}">
+                      <a14:useLocalDpi xmlns:a14="http://schemas.microsoft.com/office/drawing/2010/main" val="0"/>
+                    </a:ext>
+                  </a:extLst>
+                </a:blip>
+                <a:srcRect t="-1" b="56705"/>
+                <a:stretch/>
+              </p:blipFill>
+              <p:spPr>
                 <a:xfrm>
-                  <a:off x="3990579" y="3528356"/>
-                  <a:ext cx="4324996" cy="1295513"/>
-                  <a:chOff x="3990579" y="3528356"/>
-                  <a:chExt cx="4324996" cy="1295513"/>
+                  <a:off x="3990579" y="2065008"/>
+                  <a:ext cx="2827265" cy="1309864"/>
                 </a:xfrm>
-              </p:grpSpPr>
-              <p:pic>
-                <p:nvPicPr>
-                  <p:cNvPr id="12" name="图片 11" descr="图片包含 游戏机&#10;&#10;描述已自动生成">
-                    <a:extLst>
-                      <a:ext uri="{FF2B5EF4-FFF2-40B4-BE49-F238E27FC236}">
-                        <a16:creationId xmlns:a16="http://schemas.microsoft.com/office/drawing/2014/main" id="{607E7DD3-3091-4118-B78C-73BF80A1B369}"/>
-                      </a:ext>
-                    </a:extLst>
-                  </p:cNvPr>
-                  <p:cNvPicPr>
-                    <a:picLocks noChangeAspect="1"/>
-                  </p:cNvPicPr>
-                  <p:nvPr/>
-                </p:nvPicPr>
-                <p:blipFill rotWithShape="1">
-                  <a:blip r:embed="rId5">
-                    <a:extLst>
-                      <a:ext uri="{28A0092B-C50C-407E-A947-70E740481C1C}">
-                        <a14:useLocalDpi xmlns:a14="http://schemas.microsoft.com/office/drawing/2010/main" val="0"/>
-                      </a:ext>
-                    </a:extLst>
-                  </a:blip>
-                  <a:srcRect b="56853"/>
-                  <a:stretch/>
-                </p:blipFill>
-                <p:spPr>
-                  <a:xfrm>
-                    <a:off x="3990579" y="3528356"/>
-                    <a:ext cx="2827265" cy="1295512"/>
-                  </a:xfrm>
-                  <a:prstGeom prst="rect">
-                    <a:avLst/>
-                  </a:prstGeom>
-                </p:spPr>
-              </p:pic>
-              <p:pic>
-                <p:nvPicPr>
-                  <p:cNvPr id="13" name="图片 12" descr="图片包含 游戏机&#10;&#10;描述已自动生成">
-                    <a:extLst>
-                      <a:ext uri="{FF2B5EF4-FFF2-40B4-BE49-F238E27FC236}">
-                        <a16:creationId xmlns:a16="http://schemas.microsoft.com/office/drawing/2014/main" id="{02CAD222-AB82-42AE-ACDD-F1875516F8EA}"/>
-                      </a:ext>
-                    </a:extLst>
-                  </p:cNvPr>
-                  <p:cNvPicPr>
-                    <a:picLocks noChangeAspect="1"/>
-                  </p:cNvPicPr>
-                  <p:nvPr/>
-                </p:nvPicPr>
-                <p:blipFill rotWithShape="1">
-                  <a:blip r:embed="rId5">
-                    <a:extLst>
-                      <a:ext uri="{28A0092B-C50C-407E-A947-70E740481C1C}">
-                        <a14:useLocalDpi xmlns:a14="http://schemas.microsoft.com/office/drawing/2010/main" val="0"/>
-                      </a:ext>
-                    </a:extLst>
-                  </a:blip>
-                  <a:srcRect l="53100" t="56853"/>
-                  <a:stretch/>
-                </p:blipFill>
-                <p:spPr>
-                  <a:xfrm>
-                    <a:off x="6989580" y="3528356"/>
-                    <a:ext cx="1325995" cy="1295513"/>
-                  </a:xfrm>
-                  <a:prstGeom prst="rect">
-                    <a:avLst/>
-                  </a:prstGeom>
-                </p:spPr>
-              </p:pic>
-            </p:grpSp>
-            <p:grpSp>
-              <p:nvGrpSpPr>
-                <p:cNvPr id="21" name="组合 20">
+                <a:prstGeom prst="rect">
+                  <a:avLst/>
+                </a:prstGeom>
+              </p:spPr>
+            </p:pic>
+            <p:pic>
+              <p:nvPicPr>
+                <p:cNvPr id="10" name="图片 9" descr="图片包含 游戏机&#10;&#10;描述已自动生成">
                   <a:extLst>
                     <a:ext uri="{FF2B5EF4-FFF2-40B4-BE49-F238E27FC236}">
-                      <a16:creationId xmlns:a16="http://schemas.microsoft.com/office/drawing/2014/main" id="{F3208352-18C2-491F-BAAB-ADF0A4414BB2}"/>
+                      <a16:creationId xmlns:a16="http://schemas.microsoft.com/office/drawing/2014/main" id="{0AA540E5-4AA6-4E1B-A662-6AA8878E4FD3}"/>
                     </a:ext>
                   </a:extLst>
                 </p:cNvPr>
-                <p:cNvGrpSpPr/>
+                <p:cNvPicPr>
+                  <a:picLocks noChangeAspect="1"/>
+                </p:cNvPicPr>
                 <p:nvPr/>
-              </p:nvGrpSpPr>
-              <p:grpSpPr>
+              </p:nvPicPr>
+              <p:blipFill rotWithShape="1">
+                <a:blip r:embed="rId4">
+                  <a:extLst>
+                    <a:ext uri="{28A0092B-C50C-407E-A947-70E740481C1C}">
+                      <a14:useLocalDpi xmlns:a14="http://schemas.microsoft.com/office/drawing/2010/main" val="0"/>
+                    </a:ext>
+                  </a:extLst>
+                </a:blip>
+                <a:srcRect l="53100" t="56704"/>
+                <a:stretch/>
+              </p:blipFill>
+              <p:spPr>
                 <a:xfrm>
-                  <a:off x="3998200" y="4977352"/>
-                  <a:ext cx="4317375" cy="1295514"/>
-                  <a:chOff x="3998200" y="4977352"/>
-                  <a:chExt cx="4317375" cy="1295514"/>
+                  <a:off x="6983274" y="2077620"/>
+                  <a:ext cx="1325995" cy="1309864"/>
                 </a:xfrm>
-              </p:grpSpPr>
-              <p:pic>
-                <p:nvPicPr>
-                  <p:cNvPr id="15" name="图片 14" descr="图片包含 游戏机, 工具箱, 物体, 钟表&#10;&#10;描述已自动生成">
-                    <a:extLst>
-                      <a:ext uri="{FF2B5EF4-FFF2-40B4-BE49-F238E27FC236}">
-                        <a16:creationId xmlns:a16="http://schemas.microsoft.com/office/drawing/2014/main" id="{DFED5844-BF17-4702-A9E7-E095E2F946AF}"/>
-                      </a:ext>
-                    </a:extLst>
-                  </p:cNvPr>
-                  <p:cNvPicPr>
-                    <a:picLocks noChangeAspect="1"/>
-                  </p:cNvPicPr>
-                  <p:nvPr/>
-                </p:nvPicPr>
-                <p:blipFill rotWithShape="1">
-                  <a:blip r:embed="rId6">
-                    <a:extLst>
-                      <a:ext uri="{28A0092B-C50C-407E-A947-70E740481C1C}">
-                        <a14:useLocalDpi xmlns:a14="http://schemas.microsoft.com/office/drawing/2010/main" val="0"/>
-                      </a:ext>
-                    </a:extLst>
-                  </a:blip>
-                  <a:srcRect l="-18" t="684" r="18" b="56059"/>
-                  <a:stretch/>
-                </p:blipFill>
-                <p:spPr>
-                  <a:xfrm>
-                    <a:off x="3998200" y="4977352"/>
-                    <a:ext cx="2819644" cy="1295512"/>
-                  </a:xfrm>
-                  <a:prstGeom prst="rect">
-                    <a:avLst/>
-                  </a:prstGeom>
-                </p:spPr>
-              </p:pic>
-              <p:pic>
-                <p:nvPicPr>
-                  <p:cNvPr id="16" name="图片 15" descr="图片包含 游戏机, 工具箱, 物体, 钟表&#10;&#10;描述已自动生成">
-                    <a:extLst>
-                      <a:ext uri="{FF2B5EF4-FFF2-40B4-BE49-F238E27FC236}">
-                        <a16:creationId xmlns:a16="http://schemas.microsoft.com/office/drawing/2014/main" id="{359EFCDD-661B-4158-A548-BEA1A7E1346B}"/>
-                      </a:ext>
-                    </a:extLst>
-                  </p:cNvPr>
-                  <p:cNvPicPr>
-                    <a:picLocks noChangeAspect="1"/>
-                  </p:cNvPicPr>
-                  <p:nvPr/>
-                </p:nvPicPr>
-                <p:blipFill rotWithShape="1">
-                  <a:blip r:embed="rId6">
-                    <a:extLst>
-                      <a:ext uri="{28A0092B-C50C-407E-A947-70E740481C1C}">
-                        <a14:useLocalDpi xmlns:a14="http://schemas.microsoft.com/office/drawing/2010/main" val="0"/>
-                      </a:ext>
-                    </a:extLst>
-                  </a:blip>
-                  <a:srcRect l="52973" t="56743"/>
-                  <a:stretch/>
-                </p:blipFill>
-                <p:spPr>
-                  <a:xfrm>
-                    <a:off x="6989580" y="4977352"/>
-                    <a:ext cx="1325995" cy="1295514"/>
-                  </a:xfrm>
-                  <a:prstGeom prst="rect">
-                    <a:avLst/>
-                  </a:prstGeom>
-                </p:spPr>
-              </p:pic>
-            </p:grpSp>
+                <a:prstGeom prst="rect">
+                  <a:avLst/>
+                </a:prstGeom>
+              </p:spPr>
+            </p:pic>
           </p:grpSp>
-          <p:sp>
-            <p:nvSpPr>
-              <p:cNvPr id="23" name="文本框 22">
+          <p:grpSp>
+            <p:nvGrpSpPr>
+              <p:cNvPr id="20" name="组合 19">
                 <a:extLst>
                   <a:ext uri="{FF2B5EF4-FFF2-40B4-BE49-F238E27FC236}">
-                    <a16:creationId xmlns:a16="http://schemas.microsoft.com/office/drawing/2014/main" id="{9A4352FF-02F1-40B5-A6D6-66BB3C6B2168}"/>
+                    <a16:creationId xmlns:a16="http://schemas.microsoft.com/office/drawing/2014/main" id="{D235F57E-77B1-48F7-92A7-BAF72ACEBBB0}"/>
                   </a:ext>
                 </a:extLst>
               </p:cNvPr>
-              <p:cNvSpPr txBox="1"/>
+              <p:cNvGrpSpPr/>
               <p:nvPr/>
-            </p:nvSpPr>
-            <p:spPr>
+            </p:nvGrpSpPr>
+            <p:grpSpPr>
               <a:xfrm>
-                <a:off x="3869708" y="597887"/>
-                <a:ext cx="1494571" cy="369332"/>
+                <a:off x="3990579" y="3528356"/>
+                <a:ext cx="4324996" cy="1295513"/>
+                <a:chOff x="3990579" y="3528356"/>
+                <a:chExt cx="4324996" cy="1295513"/>
               </a:xfrm>
-              <a:prstGeom prst="rect">
-                <a:avLst/>
-              </a:prstGeom>
-              <a:noFill/>
-            </p:spPr>
-            <p:txBody>
-              <a:bodyPr wrap="square" rtlCol="0">
-                <a:spAutoFit/>
-              </a:bodyPr>
-              <a:lstStyle/>
-              <a:p>
-                <a:r>
-                  <a:rPr lang="en-US" altLang="zh-CN" dirty="0">
-                    <a:latin typeface="Times New Roman" panose="02020603050405020304" pitchFamily="18" charset="0"/>
-                    <a:cs typeface="Times New Roman" panose="02020603050405020304" pitchFamily="18" charset="0"/>
-                  </a:rPr>
-                  <a:t>Ground Truth </a:t>
-                </a:r>
-                <a:endParaRPr lang="zh-CN" altLang="en-US" dirty="0">
-                  <a:latin typeface="Times New Roman" panose="02020603050405020304" pitchFamily="18" charset="0"/>
-                  <a:cs typeface="Times New Roman" panose="02020603050405020304" pitchFamily="18" charset="0"/>
-                </a:endParaRPr>
-              </a:p>
-            </p:txBody>
-          </p:sp>
-          <p:sp>
-            <p:nvSpPr>
-              <p:cNvPr id="24" name="文本框 23">
+            </p:grpSpPr>
+            <p:pic>
+              <p:nvPicPr>
+                <p:cNvPr id="12" name="图片 11" descr="图片包含 游戏机&#10;&#10;描述已自动生成">
+                  <a:extLst>
+                    <a:ext uri="{FF2B5EF4-FFF2-40B4-BE49-F238E27FC236}">
+                      <a16:creationId xmlns:a16="http://schemas.microsoft.com/office/drawing/2014/main" id="{607E7DD3-3091-4118-B78C-73BF80A1B369}"/>
+                    </a:ext>
+                  </a:extLst>
+                </p:cNvPr>
+                <p:cNvPicPr>
+                  <a:picLocks noChangeAspect="1"/>
+                </p:cNvPicPr>
+                <p:nvPr/>
+              </p:nvPicPr>
+              <p:blipFill rotWithShape="1">
+                <a:blip r:embed="rId5">
+                  <a:extLst>
+                    <a:ext uri="{28A0092B-C50C-407E-A947-70E740481C1C}">
+                      <a14:useLocalDpi xmlns:a14="http://schemas.microsoft.com/office/drawing/2010/main" val="0"/>
+                    </a:ext>
+                  </a:extLst>
+                </a:blip>
+                <a:srcRect b="56853"/>
+                <a:stretch/>
+              </p:blipFill>
+              <p:spPr>
+                <a:xfrm>
+                  <a:off x="3990579" y="3528356"/>
+                  <a:ext cx="2827265" cy="1295512"/>
+                </a:xfrm>
+                <a:prstGeom prst="rect">
+                  <a:avLst/>
+                </a:prstGeom>
+              </p:spPr>
+            </p:pic>
+            <p:pic>
+              <p:nvPicPr>
+                <p:cNvPr id="13" name="图片 12" descr="图片包含 游戏机&#10;&#10;描述已自动生成">
+                  <a:extLst>
+                    <a:ext uri="{FF2B5EF4-FFF2-40B4-BE49-F238E27FC236}">
+                      <a16:creationId xmlns:a16="http://schemas.microsoft.com/office/drawing/2014/main" id="{02CAD222-AB82-42AE-ACDD-F1875516F8EA}"/>
+                    </a:ext>
+                  </a:extLst>
+                </p:cNvPr>
+                <p:cNvPicPr>
+                  <a:picLocks noChangeAspect="1"/>
+                </p:cNvPicPr>
+                <p:nvPr/>
+              </p:nvPicPr>
+              <p:blipFill rotWithShape="1">
+                <a:blip r:embed="rId5">
+                  <a:extLst>
+                    <a:ext uri="{28A0092B-C50C-407E-A947-70E740481C1C}">
+                      <a14:useLocalDpi xmlns:a14="http://schemas.microsoft.com/office/drawing/2010/main" val="0"/>
+                    </a:ext>
+                  </a:extLst>
+                </a:blip>
+                <a:srcRect l="53100" t="56853"/>
+                <a:stretch/>
+              </p:blipFill>
+              <p:spPr>
+                <a:xfrm>
+                  <a:off x="6989580" y="3528356"/>
+                  <a:ext cx="1325995" cy="1295513"/>
+                </a:xfrm>
+                <a:prstGeom prst="rect">
+                  <a:avLst/>
+                </a:prstGeom>
+              </p:spPr>
+            </p:pic>
+          </p:grpSp>
+          <p:grpSp>
+            <p:nvGrpSpPr>
+              <p:cNvPr id="21" name="组合 20">
                 <a:extLst>
                   <a:ext uri="{FF2B5EF4-FFF2-40B4-BE49-F238E27FC236}">
-                    <a16:creationId xmlns:a16="http://schemas.microsoft.com/office/drawing/2014/main" id="{8A6304A0-2338-4153-88A7-94E2B8AC3ED5}"/>
+                    <a16:creationId xmlns:a16="http://schemas.microsoft.com/office/drawing/2014/main" id="{F3208352-18C2-491F-BAAB-ADF0A4414BB2}"/>
                   </a:ext>
                 </a:extLst>
               </p:cNvPr>
-              <p:cNvSpPr txBox="1"/>
+              <p:cNvGrpSpPr/>
               <p:nvPr/>
-            </p:nvSpPr>
-            <p:spPr>
+            </p:nvGrpSpPr>
+            <p:grpSpPr>
               <a:xfrm>
-                <a:off x="5730039" y="597033"/>
-                <a:ext cx="853641" cy="369332"/>
+                <a:off x="3998200" y="4977352"/>
+                <a:ext cx="4317375" cy="1295514"/>
+                <a:chOff x="3998200" y="4977352"/>
+                <a:chExt cx="4317375" cy="1295514"/>
               </a:xfrm>
-              <a:prstGeom prst="rect">
-                <a:avLst/>
-              </a:prstGeom>
-              <a:noFill/>
-            </p:spPr>
-            <p:txBody>
-              <a:bodyPr wrap="square" rtlCol="0">
-                <a:spAutoFit/>
-              </a:bodyPr>
-              <a:lstStyle/>
-              <a:p>
-                <a:r>
-                  <a:rPr lang="en-US" altLang="zh-CN" dirty="0">
-                    <a:latin typeface="Times New Roman" panose="02020603050405020304" pitchFamily="18" charset="0"/>
-                    <a:cs typeface="Times New Roman" panose="02020603050405020304" pitchFamily="18" charset="0"/>
-                  </a:rPr>
-                  <a:t>Linear</a:t>
-                </a:r>
-                <a:endParaRPr lang="zh-CN" altLang="en-US" dirty="0">
-                  <a:latin typeface="Times New Roman" panose="02020603050405020304" pitchFamily="18" charset="0"/>
-                  <a:cs typeface="Times New Roman" panose="02020603050405020304" pitchFamily="18" charset="0"/>
-                </a:endParaRPr>
-              </a:p>
-            </p:txBody>
-          </p:sp>
-          <p:sp>
-            <p:nvSpPr>
-              <p:cNvPr id="25" name="文本框 24">
-                <a:extLst>
-                  <a:ext uri="{FF2B5EF4-FFF2-40B4-BE49-F238E27FC236}">
-                    <a16:creationId xmlns:a16="http://schemas.microsoft.com/office/drawing/2014/main" id="{4062EFF0-5025-4A5C-AC53-CB3C392CDF62}"/>
-                  </a:ext>
-                </a:extLst>
-              </p:cNvPr>
-              <p:cNvSpPr txBox="1"/>
-              <p:nvPr/>
-            </p:nvSpPr>
-            <p:spPr>
-              <a:xfrm>
-                <a:off x="6974872" y="610500"/>
-                <a:ext cx="1325995" cy="369332"/>
-              </a:xfrm>
-              <a:prstGeom prst="rect">
-                <a:avLst/>
-              </a:prstGeom>
-              <a:noFill/>
-            </p:spPr>
-            <p:txBody>
-              <a:bodyPr wrap="square" rtlCol="0">
-                <a:spAutoFit/>
-              </a:bodyPr>
-              <a:lstStyle/>
-              <a:p>
-                <a:r>
-                  <a:rPr lang="en-US" altLang="zh-CN" dirty="0">
-                    <a:latin typeface="Times New Roman" panose="02020603050405020304" pitchFamily="18" charset="0"/>
-                    <a:cs typeface="Times New Roman" panose="02020603050405020304" pitchFamily="18" charset="0"/>
-                  </a:rPr>
-                  <a:t>Non-Linear</a:t>
-                </a:r>
-                <a:endParaRPr lang="zh-CN" altLang="en-US" dirty="0">
-                  <a:latin typeface="Times New Roman" panose="02020603050405020304" pitchFamily="18" charset="0"/>
-                  <a:cs typeface="Times New Roman" panose="02020603050405020304" pitchFamily="18" charset="0"/>
-                </a:endParaRPr>
-              </a:p>
-            </p:txBody>
-          </p:sp>
+            </p:grpSpPr>
+            <p:pic>
+              <p:nvPicPr>
+                <p:cNvPr id="15" name="图片 14" descr="图片包含 游戏机, 工具箱, 物体, 钟表&#10;&#10;描述已自动生成">
+                  <a:extLst>
+                    <a:ext uri="{FF2B5EF4-FFF2-40B4-BE49-F238E27FC236}">
+                      <a16:creationId xmlns:a16="http://schemas.microsoft.com/office/drawing/2014/main" id="{DFED5844-BF17-4702-A9E7-E095E2F946AF}"/>
+                    </a:ext>
+                  </a:extLst>
+                </p:cNvPr>
+                <p:cNvPicPr>
+                  <a:picLocks noChangeAspect="1"/>
+                </p:cNvPicPr>
+                <p:nvPr/>
+              </p:nvPicPr>
+              <p:blipFill rotWithShape="1">
+                <a:blip r:embed="rId6">
+                  <a:extLst>
+                    <a:ext uri="{28A0092B-C50C-407E-A947-70E740481C1C}">
+                      <a14:useLocalDpi xmlns:a14="http://schemas.microsoft.com/office/drawing/2010/main" val="0"/>
+                    </a:ext>
+                  </a:extLst>
+                </a:blip>
+                <a:srcRect l="-18" t="684" r="18" b="56059"/>
+                <a:stretch/>
+              </p:blipFill>
+              <p:spPr>
+                <a:xfrm>
+                  <a:off x="3998200" y="4977352"/>
+                  <a:ext cx="2819644" cy="1295512"/>
+                </a:xfrm>
+                <a:prstGeom prst="rect">
+                  <a:avLst/>
+                </a:prstGeom>
+              </p:spPr>
+            </p:pic>
+            <p:pic>
+              <p:nvPicPr>
+                <p:cNvPr id="16" name="图片 15" descr="图片包含 游戏机, 工具箱, 物体, 钟表&#10;&#10;描述已自动生成">
+                  <a:extLst>
+                    <a:ext uri="{FF2B5EF4-FFF2-40B4-BE49-F238E27FC236}">
+                      <a16:creationId xmlns:a16="http://schemas.microsoft.com/office/drawing/2014/main" id="{359EFCDD-661B-4158-A548-BEA1A7E1346B}"/>
+                    </a:ext>
+                  </a:extLst>
+                </p:cNvPr>
+                <p:cNvPicPr>
+                  <a:picLocks noChangeAspect="1"/>
+                </p:cNvPicPr>
+                <p:nvPr/>
+              </p:nvPicPr>
+              <p:blipFill rotWithShape="1">
+                <a:blip r:embed="rId6">
+                  <a:extLst>
+                    <a:ext uri="{28A0092B-C50C-407E-A947-70E740481C1C}">
+                      <a14:useLocalDpi xmlns:a14="http://schemas.microsoft.com/office/drawing/2010/main" val="0"/>
+                    </a:ext>
+                  </a:extLst>
+                </a:blip>
+                <a:srcRect l="52973" t="56743"/>
+                <a:stretch/>
+              </p:blipFill>
+              <p:spPr>
+                <a:xfrm>
+                  <a:off x="6989580" y="4977352"/>
+                  <a:ext cx="1325995" cy="1295514"/>
+                </a:xfrm>
+                <a:prstGeom prst="rect">
+                  <a:avLst/>
+                </a:prstGeom>
+              </p:spPr>
+            </p:pic>
+          </p:grpSp>
         </p:grpSp>
-        <p:pic>
-          <p:nvPicPr>
-            <p:cNvPr id="28" name="图片 27" descr="手机屏幕截图&#10;&#10;描述已自动生成">
+        <p:sp>
+          <p:nvSpPr>
+            <p:cNvPr id="23" name="文本框 22">
               <a:extLst>
                 <a:ext uri="{FF2B5EF4-FFF2-40B4-BE49-F238E27FC236}">
-                  <a16:creationId xmlns:a16="http://schemas.microsoft.com/office/drawing/2014/main" id="{977535C0-8926-438A-BCC5-A7CF5C48BF19}"/>
-                </a:ext>
-              </a:extLst>
-            </p:cNvPr>
-            <p:cNvPicPr>
-              <a:picLocks noChangeAspect="1"/>
-            </p:cNvPicPr>
-            <p:nvPr/>
-          </p:nvPicPr>
-          <p:blipFill>
-            <a:blip r:embed="rId7">
-              <a:extLst>
-                <a:ext uri="{28A0092B-C50C-407E-A947-70E740481C1C}">
-                  <a14:useLocalDpi xmlns:a14="http://schemas.microsoft.com/office/drawing/2010/main" val="0"/>
-                </a:ext>
-              </a:extLst>
-            </a:blip>
-            <a:stretch>
-              <a:fillRect/>
-            </a:stretch>
-          </p:blipFill>
-          <p:spPr>
-            <a:xfrm>
-              <a:off x="5594620" y="1022188"/>
-              <a:ext cx="3689120" cy="2550068"/>
-            </a:xfrm>
-            <a:prstGeom prst="rect">
-              <a:avLst/>
-            </a:prstGeom>
-          </p:spPr>
-        </p:pic>
-        <p:pic>
-          <p:nvPicPr>
-            <p:cNvPr id="30" name="图片 29" descr="图片包含 游戏机&#10;&#10;描述已自动生成">
-              <a:extLst>
-                <a:ext uri="{FF2B5EF4-FFF2-40B4-BE49-F238E27FC236}">
-                  <a16:creationId xmlns:a16="http://schemas.microsoft.com/office/drawing/2014/main" id="{2FE80F9B-2821-4561-A051-26E40489F0B1}"/>
-                </a:ext>
-              </a:extLst>
-            </p:cNvPr>
-            <p:cNvPicPr>
-              <a:picLocks noChangeAspect="1"/>
-            </p:cNvPicPr>
-            <p:nvPr/>
-          </p:nvPicPr>
-          <p:blipFill>
-            <a:blip r:embed="rId8">
-              <a:extLst>
-                <a:ext uri="{28A0092B-C50C-407E-A947-70E740481C1C}">
-                  <a14:useLocalDpi xmlns:a14="http://schemas.microsoft.com/office/drawing/2010/main" val="0"/>
-                </a:ext>
-              </a:extLst>
-            </a:blip>
-            <a:stretch>
-              <a:fillRect/>
-            </a:stretch>
-          </p:blipFill>
-          <p:spPr>
-            <a:xfrm>
-              <a:off x="5594620" y="3824747"/>
-              <a:ext cx="3744872" cy="2567603"/>
-            </a:xfrm>
-            <a:prstGeom prst="rect">
-              <a:avLst/>
-            </a:prstGeom>
-          </p:spPr>
-        </p:pic>
-        <p:sp>
-          <p:nvSpPr>
-            <p:cNvPr id="31" name="文本框 30">
-              <a:extLst>
-                <a:ext uri="{FF2B5EF4-FFF2-40B4-BE49-F238E27FC236}">
-                  <a16:creationId xmlns:a16="http://schemas.microsoft.com/office/drawing/2014/main" id="{94E3D91E-DADF-4ACB-A33F-7408C66296AA}"/>
+                  <a16:creationId xmlns:a16="http://schemas.microsoft.com/office/drawing/2014/main" id="{9A4352FF-02F1-40B5-A6D6-66BB3C6B2168}"/>
                 </a:ext>
               </a:extLst>
             </p:cNvPr>
@@ -3976,8 +3758,8 @@
           </p:nvSpPr>
           <p:spPr>
             <a:xfrm>
-              <a:off x="425686" y="373022"/>
-              <a:ext cx="419171" cy="307777"/>
+              <a:off x="3869708" y="597887"/>
+              <a:ext cx="1494571" cy="369332"/>
             </a:xfrm>
             <a:prstGeom prst="rect">
               <a:avLst/>
@@ -3991,13 +3773,13 @@
             <a:lstStyle/>
             <a:p>
               <a:r>
-                <a:rPr lang="en-US" altLang="zh-CN" sz="1400" b="1" dirty="0">
+                <a:rPr lang="en-US" altLang="zh-CN" dirty="0">
                   <a:latin typeface="Times New Roman" panose="02020603050405020304" pitchFamily="18" charset="0"/>
                   <a:cs typeface="Times New Roman" panose="02020603050405020304" pitchFamily="18" charset="0"/>
                 </a:rPr>
-                <a:t>(a)</a:t>
+                <a:t>Ground Truth </a:t>
               </a:r>
-              <a:endParaRPr lang="zh-CN" altLang="en-US" sz="1400" b="1" dirty="0">
+              <a:endParaRPr lang="zh-CN" altLang="en-US" dirty="0">
                 <a:latin typeface="Times New Roman" panose="02020603050405020304" pitchFamily="18" charset="0"/>
                 <a:cs typeface="Times New Roman" panose="02020603050405020304" pitchFamily="18" charset="0"/>
               </a:endParaRPr>
@@ -4006,10 +3788,10 @@
         </p:sp>
         <p:sp>
           <p:nvSpPr>
-            <p:cNvPr id="32" name="文本框 31">
+            <p:cNvPr id="24" name="文本框 23">
               <a:extLst>
                 <a:ext uri="{FF2B5EF4-FFF2-40B4-BE49-F238E27FC236}">
-                  <a16:creationId xmlns:a16="http://schemas.microsoft.com/office/drawing/2014/main" id="{BF976599-E6E5-41A3-B5B2-E1BBBFB7850E}"/>
+                  <a16:creationId xmlns:a16="http://schemas.microsoft.com/office/drawing/2014/main" id="{8A6304A0-2338-4153-88A7-94E2B8AC3ED5}"/>
                 </a:ext>
               </a:extLst>
             </p:cNvPr>
@@ -4018,8 +3800,8 @@
           </p:nvSpPr>
           <p:spPr>
             <a:xfrm>
-              <a:off x="5453659" y="923214"/>
-              <a:ext cx="419171" cy="307777"/>
+              <a:off x="5730039" y="597033"/>
+              <a:ext cx="853641" cy="369332"/>
             </a:xfrm>
             <a:prstGeom prst="rect">
               <a:avLst/>
@@ -4033,13 +3815,13 @@
             <a:lstStyle/>
             <a:p>
               <a:r>
-                <a:rPr lang="en-US" altLang="zh-CN" sz="1400" b="1" dirty="0">
+                <a:rPr lang="en-US" altLang="zh-CN" dirty="0">
                   <a:latin typeface="Times New Roman" panose="02020603050405020304" pitchFamily="18" charset="0"/>
                   <a:cs typeface="Times New Roman" panose="02020603050405020304" pitchFamily="18" charset="0"/>
                 </a:rPr>
-                <a:t>(b)</a:t>
+                <a:t>Linear</a:t>
               </a:r>
-              <a:endParaRPr lang="zh-CN" altLang="en-US" sz="1400" b="1" dirty="0">
+              <a:endParaRPr lang="zh-CN" altLang="en-US" dirty="0">
                 <a:latin typeface="Times New Roman" panose="02020603050405020304" pitchFamily="18" charset="0"/>
                 <a:cs typeface="Times New Roman" panose="02020603050405020304" pitchFamily="18" charset="0"/>
               </a:endParaRPr>
@@ -4048,10 +3830,10 @@
         </p:sp>
         <p:sp>
           <p:nvSpPr>
-            <p:cNvPr id="33" name="文本框 32">
+            <p:cNvPr id="25" name="文本框 24">
               <a:extLst>
                 <a:ext uri="{FF2B5EF4-FFF2-40B4-BE49-F238E27FC236}">
-                  <a16:creationId xmlns:a16="http://schemas.microsoft.com/office/drawing/2014/main" id="{0DEDAE13-1F83-4FD6-B228-8A744FFC1A92}"/>
+                  <a16:creationId xmlns:a16="http://schemas.microsoft.com/office/drawing/2014/main" id="{4062EFF0-5025-4A5C-AC53-CB3C392CDF62}"/>
                 </a:ext>
               </a:extLst>
             </p:cNvPr>
@@ -4060,8 +3842,8 @@
           </p:nvSpPr>
           <p:spPr>
             <a:xfrm>
-              <a:off x="5453834" y="3685706"/>
-              <a:ext cx="419171" cy="307777"/>
+              <a:off x="6974872" y="610500"/>
+              <a:ext cx="1325995" cy="369332"/>
             </a:xfrm>
             <a:prstGeom prst="rect">
               <a:avLst/>
@@ -4075,12 +3857,564 @@
             <a:lstStyle/>
             <a:p>
               <a:r>
+                <a:rPr lang="en-US" altLang="zh-CN" dirty="0">
+                  <a:latin typeface="Times New Roman" panose="02020603050405020304" pitchFamily="18" charset="0"/>
+                  <a:cs typeface="Times New Roman" panose="02020603050405020304" pitchFamily="18" charset="0"/>
+                </a:rPr>
+                <a:t>Non-Linear</a:t>
+              </a:r>
+              <a:endParaRPr lang="zh-CN" altLang="en-US" dirty="0">
+                <a:latin typeface="Times New Roman" panose="02020603050405020304" pitchFamily="18" charset="0"/>
+                <a:cs typeface="Times New Roman" panose="02020603050405020304" pitchFamily="18" charset="0"/>
+              </a:endParaRPr>
+            </a:p>
+          </p:txBody>
+        </p:sp>
+      </p:grpSp>
+      <p:pic>
+        <p:nvPicPr>
+          <p:cNvPr id="28" name="图片 27" descr="手机屏幕截图&#10;&#10;描述已自动生成">
+            <a:extLst>
+              <a:ext uri="{FF2B5EF4-FFF2-40B4-BE49-F238E27FC236}">
+                <a16:creationId xmlns:a16="http://schemas.microsoft.com/office/drawing/2014/main" id="{977535C0-8926-438A-BCC5-A7CF5C48BF19}"/>
+              </a:ext>
+            </a:extLst>
+          </p:cNvPr>
+          <p:cNvPicPr>
+            <a:picLocks noChangeAspect="1"/>
+          </p:cNvPicPr>
+          <p:nvPr/>
+        </p:nvPicPr>
+        <p:blipFill>
+          <a:blip r:embed="rId7">
+            <a:extLst>
+              <a:ext uri="{28A0092B-C50C-407E-A947-70E740481C1C}">
+                <a14:useLocalDpi xmlns:a14="http://schemas.microsoft.com/office/drawing/2010/main" val="0"/>
+              </a:ext>
+            </a:extLst>
+          </a:blip>
+          <a:stretch>
+            <a:fillRect/>
+          </a:stretch>
+        </p:blipFill>
+        <p:spPr>
+          <a:xfrm>
+            <a:off x="5338192" y="659635"/>
+            <a:ext cx="4211391" cy="2911083"/>
+          </a:xfrm>
+          <a:prstGeom prst="rect">
+            <a:avLst/>
+          </a:prstGeom>
+        </p:spPr>
+      </p:pic>
+      <p:sp>
+        <p:nvSpPr>
+          <p:cNvPr id="31" name="文本框 30">
+            <a:extLst>
+              <a:ext uri="{FF2B5EF4-FFF2-40B4-BE49-F238E27FC236}">
+                <a16:creationId xmlns:a16="http://schemas.microsoft.com/office/drawing/2014/main" id="{94E3D91E-DADF-4ACB-A33F-7408C66296AA}"/>
+              </a:ext>
+            </a:extLst>
+          </p:cNvPr>
+          <p:cNvSpPr txBox="1"/>
+          <p:nvPr/>
+        </p:nvSpPr>
+        <p:spPr>
+          <a:xfrm>
+            <a:off x="425686" y="373022"/>
+            <a:ext cx="419171" cy="307777"/>
+          </a:xfrm>
+          <a:prstGeom prst="rect">
+            <a:avLst/>
+          </a:prstGeom>
+          <a:noFill/>
+        </p:spPr>
+        <p:txBody>
+          <a:bodyPr wrap="square" rtlCol="0">
+            <a:spAutoFit/>
+          </a:bodyPr>
+          <a:lstStyle/>
+          <a:p>
+            <a:r>
+              <a:rPr lang="en-US" altLang="zh-CN" sz="1400" b="1" dirty="0">
+                <a:latin typeface="Times New Roman" panose="02020603050405020304" pitchFamily="18" charset="0"/>
+                <a:cs typeface="Times New Roman" panose="02020603050405020304" pitchFamily="18" charset="0"/>
+              </a:rPr>
+              <a:t>(a)</a:t>
+            </a:r>
+            <a:endParaRPr lang="zh-CN" altLang="en-US" sz="1400" b="1" dirty="0">
+              <a:latin typeface="Times New Roman" panose="02020603050405020304" pitchFamily="18" charset="0"/>
+              <a:cs typeface="Times New Roman" panose="02020603050405020304" pitchFamily="18" charset="0"/>
+            </a:endParaRPr>
+          </a:p>
+        </p:txBody>
+      </p:sp>
+      <p:sp>
+        <p:nvSpPr>
+          <p:cNvPr id="32" name="文本框 31">
+            <a:extLst>
+              <a:ext uri="{FF2B5EF4-FFF2-40B4-BE49-F238E27FC236}">
+                <a16:creationId xmlns:a16="http://schemas.microsoft.com/office/drawing/2014/main" id="{BF976599-E6E5-41A3-B5B2-E1BBBFB7850E}"/>
+              </a:ext>
+            </a:extLst>
+          </p:cNvPr>
+          <p:cNvSpPr txBox="1"/>
+          <p:nvPr/>
+        </p:nvSpPr>
+        <p:spPr>
+          <a:xfrm>
+            <a:off x="5453833" y="404012"/>
+            <a:ext cx="419171" cy="307777"/>
+          </a:xfrm>
+          <a:prstGeom prst="rect">
+            <a:avLst/>
+          </a:prstGeom>
+          <a:noFill/>
+        </p:spPr>
+        <p:txBody>
+          <a:bodyPr wrap="square" rtlCol="0">
+            <a:spAutoFit/>
+          </a:bodyPr>
+          <a:lstStyle/>
+          <a:p>
+            <a:r>
+              <a:rPr lang="en-US" altLang="zh-CN" sz="1400" b="1" dirty="0">
+                <a:latin typeface="Times New Roman" panose="02020603050405020304" pitchFamily="18" charset="0"/>
+                <a:cs typeface="Times New Roman" panose="02020603050405020304" pitchFamily="18" charset="0"/>
+              </a:rPr>
+              <a:t>(b)</a:t>
+            </a:r>
+            <a:endParaRPr lang="zh-CN" altLang="en-US" sz="1400" b="1" dirty="0">
+              <a:latin typeface="Times New Roman" panose="02020603050405020304" pitchFamily="18" charset="0"/>
+              <a:cs typeface="Times New Roman" panose="02020603050405020304" pitchFamily="18" charset="0"/>
+            </a:endParaRPr>
+          </a:p>
+        </p:txBody>
+      </p:sp>
+      <p:pic>
+        <p:nvPicPr>
+          <p:cNvPr id="3" name="图片 2" descr="图片包含 游戏机&#10;&#10;描述已自动生成">
+            <a:extLst>
+              <a:ext uri="{FF2B5EF4-FFF2-40B4-BE49-F238E27FC236}">
+                <a16:creationId xmlns:a16="http://schemas.microsoft.com/office/drawing/2014/main" id="{F390ADFD-613C-4A05-8DB3-F14320A3E004}"/>
+              </a:ext>
+            </a:extLst>
+          </p:cNvPr>
+          <p:cNvPicPr>
+            <a:picLocks noChangeAspect="1"/>
+          </p:cNvPicPr>
+          <p:nvPr/>
+        </p:nvPicPr>
+        <p:blipFill>
+          <a:blip r:embed="rId8">
+            <a:extLst>
+              <a:ext uri="{28A0092B-C50C-407E-A947-70E740481C1C}">
+                <a14:useLocalDpi xmlns:a14="http://schemas.microsoft.com/office/drawing/2010/main" val="0"/>
+              </a:ext>
+            </a:extLst>
+          </a:blip>
+          <a:stretch>
+            <a:fillRect/>
+          </a:stretch>
+        </p:blipFill>
+        <p:spPr>
+          <a:xfrm>
+            <a:off x="5401581" y="3708673"/>
+            <a:ext cx="4148002" cy="2985444"/>
+          </a:xfrm>
+          <a:prstGeom prst="rect">
+            <a:avLst/>
+          </a:prstGeom>
+        </p:spPr>
+      </p:pic>
+      <p:sp>
+        <p:nvSpPr>
+          <p:cNvPr id="33" name="文本框 32">
+            <a:extLst>
+              <a:ext uri="{FF2B5EF4-FFF2-40B4-BE49-F238E27FC236}">
+                <a16:creationId xmlns:a16="http://schemas.microsoft.com/office/drawing/2014/main" id="{0DEDAE13-1F83-4FD6-B228-8A744FFC1A92}"/>
+              </a:ext>
+            </a:extLst>
+          </p:cNvPr>
+          <p:cNvSpPr txBox="1"/>
+          <p:nvPr/>
+        </p:nvSpPr>
+        <p:spPr>
+          <a:xfrm>
+            <a:off x="5453834" y="3685706"/>
+            <a:ext cx="419171" cy="307777"/>
+          </a:xfrm>
+          <a:prstGeom prst="rect">
+            <a:avLst/>
+          </a:prstGeom>
+          <a:noFill/>
+        </p:spPr>
+        <p:txBody>
+          <a:bodyPr wrap="square" rtlCol="0">
+            <a:spAutoFit/>
+          </a:bodyPr>
+          <a:lstStyle/>
+          <a:p>
+            <a:r>
+              <a:rPr lang="en-US" altLang="zh-CN" sz="1400" b="1" dirty="0">
+                <a:latin typeface="Times New Roman" panose="02020603050405020304" pitchFamily="18" charset="0"/>
+                <a:cs typeface="Times New Roman" panose="02020603050405020304" pitchFamily="18" charset="0"/>
+              </a:rPr>
+              <a:t>(c)</a:t>
+            </a:r>
+            <a:endParaRPr lang="zh-CN" altLang="en-US" sz="1400" b="1" dirty="0">
+              <a:latin typeface="Times New Roman" panose="02020603050405020304" pitchFamily="18" charset="0"/>
+              <a:cs typeface="Times New Roman" panose="02020603050405020304" pitchFamily="18" charset="0"/>
+            </a:endParaRPr>
+          </a:p>
+        </p:txBody>
+      </p:sp>
+    </p:spTree>
+    <p:extLst>
+      <p:ext uri="{BB962C8B-B14F-4D97-AF65-F5344CB8AC3E}">
+        <p14:creationId xmlns:p14="http://schemas.microsoft.com/office/powerpoint/2010/main" val="1717797643"/>
+      </p:ext>
+    </p:extLst>
+  </p:cSld>
+  <p:clrMapOvr>
+    <a:masterClrMapping/>
+  </p:clrMapOvr>
+</p:sld>
+</file>
+
+<file path=ppt/slides/slide2.xml><?xml version="1.0" encoding="utf-8"?>
+<p:sld xmlns:a="http://schemas.openxmlformats.org/drawingml/2006/main" xmlns:r="http://schemas.openxmlformats.org/officeDocument/2006/relationships" xmlns:p="http://schemas.openxmlformats.org/presentationml/2006/main">
+  <p:cSld>
+    <p:spTree>
+      <p:nvGrpSpPr>
+        <p:cNvPr id="1" name=""/>
+        <p:cNvGrpSpPr/>
+        <p:nvPr/>
+      </p:nvGrpSpPr>
+      <p:grpSpPr>
+        <a:xfrm>
+          <a:off x="0" y="0"/>
+          <a:ext cx="0" cy="0"/>
+          <a:chOff x="0" y="0"/>
+          <a:chExt cx="0" cy="0"/>
+        </a:xfrm>
+      </p:grpSpPr>
+      <p:sp>
+        <p:nvSpPr>
+          <p:cNvPr id="31" name="文本框 30">
+            <a:extLst>
+              <a:ext uri="{FF2B5EF4-FFF2-40B4-BE49-F238E27FC236}">
+                <a16:creationId xmlns:a16="http://schemas.microsoft.com/office/drawing/2014/main" id="{94E3D91E-DADF-4ACB-A33F-7408C66296AA}"/>
+              </a:ext>
+            </a:extLst>
+          </p:cNvPr>
+          <p:cNvSpPr txBox="1"/>
+          <p:nvPr/>
+        </p:nvSpPr>
+        <p:spPr>
+          <a:xfrm>
+            <a:off x="425686" y="373022"/>
+            <a:ext cx="419171" cy="307777"/>
+          </a:xfrm>
+          <a:prstGeom prst="rect">
+            <a:avLst/>
+          </a:prstGeom>
+          <a:noFill/>
+        </p:spPr>
+        <p:txBody>
+          <a:bodyPr wrap="square" rtlCol="0">
+            <a:spAutoFit/>
+          </a:bodyPr>
+          <a:lstStyle/>
+          <a:p>
+            <a:r>
+              <a:rPr lang="en-US" altLang="zh-CN" sz="1400" b="1" dirty="0">
+                <a:latin typeface="Times New Roman" panose="02020603050405020304" pitchFamily="18" charset="0"/>
+                <a:cs typeface="Times New Roman" panose="02020603050405020304" pitchFamily="18" charset="0"/>
+              </a:rPr>
+              <a:t>(a)</a:t>
+            </a:r>
+            <a:endParaRPr lang="zh-CN" altLang="en-US" sz="1400" b="1" dirty="0">
+              <a:latin typeface="Times New Roman" panose="02020603050405020304" pitchFamily="18" charset="0"/>
+              <a:cs typeface="Times New Roman" panose="02020603050405020304" pitchFamily="18" charset="0"/>
+            </a:endParaRPr>
+          </a:p>
+        </p:txBody>
+      </p:sp>
+      <p:sp>
+        <p:nvSpPr>
+          <p:cNvPr id="32" name="文本框 31">
+            <a:extLst>
+              <a:ext uri="{FF2B5EF4-FFF2-40B4-BE49-F238E27FC236}">
+                <a16:creationId xmlns:a16="http://schemas.microsoft.com/office/drawing/2014/main" id="{BF976599-E6E5-41A3-B5B2-E1BBBFB7850E}"/>
+              </a:ext>
+            </a:extLst>
+          </p:cNvPr>
+          <p:cNvSpPr txBox="1"/>
+          <p:nvPr/>
+        </p:nvSpPr>
+        <p:spPr>
+          <a:xfrm>
+            <a:off x="5453659" y="923214"/>
+            <a:ext cx="419171" cy="307777"/>
+          </a:xfrm>
+          <a:prstGeom prst="rect">
+            <a:avLst/>
+          </a:prstGeom>
+          <a:noFill/>
+        </p:spPr>
+        <p:txBody>
+          <a:bodyPr wrap="square" rtlCol="0">
+            <a:spAutoFit/>
+          </a:bodyPr>
+          <a:lstStyle/>
+          <a:p>
+            <a:r>
+              <a:rPr lang="en-US" altLang="zh-CN" sz="1400" b="1" dirty="0">
+                <a:latin typeface="Times New Roman" panose="02020603050405020304" pitchFamily="18" charset="0"/>
+                <a:cs typeface="Times New Roman" panose="02020603050405020304" pitchFamily="18" charset="0"/>
+              </a:rPr>
+              <a:t>(b)</a:t>
+            </a:r>
+            <a:endParaRPr lang="zh-CN" altLang="en-US" sz="1400" b="1" dirty="0">
+              <a:latin typeface="Times New Roman" panose="02020603050405020304" pitchFamily="18" charset="0"/>
+              <a:cs typeface="Times New Roman" panose="02020603050405020304" pitchFamily="18" charset="0"/>
+            </a:endParaRPr>
+          </a:p>
+        </p:txBody>
+      </p:sp>
+      <p:sp>
+        <p:nvSpPr>
+          <p:cNvPr id="33" name="文本框 32">
+            <a:extLst>
+              <a:ext uri="{FF2B5EF4-FFF2-40B4-BE49-F238E27FC236}">
+                <a16:creationId xmlns:a16="http://schemas.microsoft.com/office/drawing/2014/main" id="{0DEDAE13-1F83-4FD6-B228-8A744FFC1A92}"/>
+              </a:ext>
+            </a:extLst>
+          </p:cNvPr>
+          <p:cNvSpPr txBox="1"/>
+          <p:nvPr/>
+        </p:nvSpPr>
+        <p:spPr>
+          <a:xfrm>
+            <a:off x="5453834" y="3685706"/>
+            <a:ext cx="419171" cy="307777"/>
+          </a:xfrm>
+          <a:prstGeom prst="rect">
+            <a:avLst/>
+          </a:prstGeom>
+          <a:noFill/>
+        </p:spPr>
+        <p:txBody>
+          <a:bodyPr wrap="square" rtlCol="0">
+            <a:spAutoFit/>
+          </a:bodyPr>
+          <a:lstStyle/>
+          <a:p>
+            <a:r>
+              <a:rPr lang="en-US" altLang="zh-CN" sz="1400" b="1" dirty="0">
+                <a:latin typeface="Times New Roman" panose="02020603050405020304" pitchFamily="18" charset="0"/>
+                <a:cs typeface="Times New Roman" panose="02020603050405020304" pitchFamily="18" charset="0"/>
+              </a:rPr>
+              <a:t>(c)</a:t>
+            </a:r>
+            <a:endParaRPr lang="zh-CN" altLang="en-US" sz="1400" b="1" dirty="0">
+              <a:latin typeface="Times New Roman" panose="02020603050405020304" pitchFamily="18" charset="0"/>
+              <a:cs typeface="Times New Roman" panose="02020603050405020304" pitchFamily="18" charset="0"/>
+            </a:endParaRPr>
+          </a:p>
+        </p:txBody>
+      </p:sp>
+      <p:grpSp>
+        <p:nvGrpSpPr>
+          <p:cNvPr id="34" name="组合 33">
+            <a:extLst>
+              <a:ext uri="{FF2B5EF4-FFF2-40B4-BE49-F238E27FC236}">
+                <a16:creationId xmlns:a16="http://schemas.microsoft.com/office/drawing/2014/main" id="{590847EA-E71E-4077-ADE9-B3A05EB29335}"/>
+              </a:ext>
+            </a:extLst>
+          </p:cNvPr>
+          <p:cNvGrpSpPr/>
+          <p:nvPr/>
+        </p:nvGrpSpPr>
+        <p:grpSpPr>
+          <a:xfrm>
+            <a:off x="1408480" y="754507"/>
+            <a:ext cx="3017782" cy="3415206"/>
+            <a:chOff x="7182262" y="526910"/>
+            <a:chExt cx="3017782" cy="3415206"/>
+          </a:xfrm>
+        </p:grpSpPr>
+        <p:pic>
+          <p:nvPicPr>
+            <p:cNvPr id="6" name="图片 5" descr="图片包含 照片, 电视, 不同, 盒子&#10;&#10;描述已自动生成">
+              <a:extLst>
+                <a:ext uri="{FF2B5EF4-FFF2-40B4-BE49-F238E27FC236}">
+                  <a16:creationId xmlns:a16="http://schemas.microsoft.com/office/drawing/2014/main" id="{C169B26D-7287-4AD4-946D-844330E9983F}"/>
+                </a:ext>
+              </a:extLst>
+            </p:cNvPr>
+            <p:cNvPicPr>
+              <a:picLocks noChangeAspect="1"/>
+            </p:cNvPicPr>
+            <p:nvPr/>
+          </p:nvPicPr>
+          <p:blipFill>
+            <a:blip r:embed="rId2">
+              <a:extLst>
+                <a:ext uri="{28A0092B-C50C-407E-A947-70E740481C1C}">
+                  <a14:useLocalDpi xmlns:a14="http://schemas.microsoft.com/office/drawing/2010/main" val="0"/>
+                </a:ext>
+              </a:extLst>
+            </a:blip>
+            <a:stretch>
+              <a:fillRect/>
+            </a:stretch>
+          </p:blipFill>
+          <p:spPr>
+            <a:xfrm>
+              <a:off x="7182262" y="526910"/>
+              <a:ext cx="3017782" cy="929721"/>
+            </a:xfrm>
+            <a:prstGeom prst="rect">
+              <a:avLst/>
+            </a:prstGeom>
+          </p:spPr>
+        </p:pic>
+        <p:pic>
+          <p:nvPicPr>
+            <p:cNvPr id="11" name="图片 10" descr="图片包含 物体, 照片, 游戏机, 不同&#10;&#10;描述已自动生成">
+              <a:extLst>
+                <a:ext uri="{FF2B5EF4-FFF2-40B4-BE49-F238E27FC236}">
+                  <a16:creationId xmlns:a16="http://schemas.microsoft.com/office/drawing/2014/main" id="{8DDB837B-7DD9-48DE-AA59-857DEC997984}"/>
+                </a:ext>
+              </a:extLst>
+            </p:cNvPr>
+            <p:cNvPicPr>
+              <a:picLocks noChangeAspect="1"/>
+            </p:cNvPicPr>
+            <p:nvPr/>
+          </p:nvPicPr>
+          <p:blipFill>
+            <a:blip r:embed="rId3">
+              <a:extLst>
+                <a:ext uri="{28A0092B-C50C-407E-A947-70E740481C1C}">
+                  <a14:useLocalDpi xmlns:a14="http://schemas.microsoft.com/office/drawing/2010/main" val="0"/>
+                </a:ext>
+              </a:extLst>
+            </a:blip>
+            <a:stretch>
+              <a:fillRect/>
+            </a:stretch>
+          </p:blipFill>
+          <p:spPr>
+            <a:xfrm>
+              <a:off x="7212745" y="2290509"/>
+              <a:ext cx="2987299" cy="967824"/>
+            </a:xfrm>
+            <a:prstGeom prst="rect">
+              <a:avLst/>
+            </a:prstGeom>
+          </p:spPr>
+        </p:pic>
+        <p:pic>
+          <p:nvPicPr>
+            <p:cNvPr id="17" name="图片 16" descr="图片包含 照片, 街道, 巴士, 白色&#10;&#10;描述已自动生成">
+              <a:extLst>
+                <a:ext uri="{FF2B5EF4-FFF2-40B4-BE49-F238E27FC236}">
+                  <a16:creationId xmlns:a16="http://schemas.microsoft.com/office/drawing/2014/main" id="{F612256C-AB58-4141-AD04-E0D77A7EAB8A}"/>
+                </a:ext>
+              </a:extLst>
+            </p:cNvPr>
+            <p:cNvPicPr>
+              <a:picLocks noChangeAspect="1"/>
+            </p:cNvPicPr>
+            <p:nvPr/>
+          </p:nvPicPr>
+          <p:blipFill>
+            <a:blip r:embed="rId4">
+              <a:extLst>
+                <a:ext uri="{28A0092B-C50C-407E-A947-70E740481C1C}">
+                  <a14:useLocalDpi xmlns:a14="http://schemas.microsoft.com/office/drawing/2010/main" val="0"/>
+                </a:ext>
+              </a:extLst>
+            </a:blip>
+            <a:stretch>
+              <a:fillRect/>
+            </a:stretch>
+          </p:blipFill>
+          <p:spPr>
+            <a:xfrm>
+              <a:off x="7216556" y="1392807"/>
+              <a:ext cx="2949196" cy="952583"/>
+            </a:xfrm>
+            <a:prstGeom prst="rect">
+              <a:avLst/>
+            </a:prstGeom>
+          </p:spPr>
+        </p:pic>
+        <p:sp>
+          <p:nvSpPr>
+            <p:cNvPr id="29" name="文本框 28">
+              <a:extLst>
+                <a:ext uri="{FF2B5EF4-FFF2-40B4-BE49-F238E27FC236}">
+                  <a16:creationId xmlns:a16="http://schemas.microsoft.com/office/drawing/2014/main" id="{28B7669B-A4D3-421B-AA2F-E114A3B75030}"/>
+                </a:ext>
+              </a:extLst>
+            </p:cNvPr>
+            <p:cNvSpPr txBox="1"/>
+            <p:nvPr/>
+          </p:nvSpPr>
+          <p:spPr>
+            <a:xfrm>
+              <a:off x="7384287" y="3203452"/>
+              <a:ext cx="2613731" cy="738664"/>
+            </a:xfrm>
+            <a:prstGeom prst="rect">
+              <a:avLst/>
+            </a:prstGeom>
+            <a:noFill/>
+          </p:spPr>
+          <p:txBody>
+            <a:bodyPr wrap="square" rtlCol="0">
+              <a:spAutoFit/>
+            </a:bodyPr>
+            <a:lstStyle/>
+            <a:p>
+              <a:pPr algn="ctr"/>
+              <a:r>
                 <a:rPr lang="en-US" altLang="zh-CN" sz="1400" b="1" dirty="0">
                   <a:latin typeface="Times New Roman" panose="02020603050405020304" pitchFamily="18" charset="0"/>
                   <a:cs typeface="Times New Roman" panose="02020603050405020304" pitchFamily="18" charset="0"/>
                 </a:rPr>
-                <a:t>(c)</a:t>
+                <a:t>MAE (Trained MAE): 0.0449</a:t>
               </a:r>
+            </a:p>
+            <a:p>
+              <a:pPr algn="ctr"/>
+              <a:r>
+                <a:rPr lang="en-US" altLang="zh-CN" sz="1400" b="1" dirty="0">
+                  <a:latin typeface="Times New Roman" panose="02020603050405020304" pitchFamily="18" charset="0"/>
+                  <a:cs typeface="Times New Roman" panose="02020603050405020304" pitchFamily="18" charset="0"/>
+                </a:rPr>
+                <a:t>MAE (Trained </a:t>
+              </a:r>
+              <a:r>
+                <a:rPr lang="en-US" altLang="zh-CN" sz="1400" b="1" dirty="0" err="1">
+                  <a:latin typeface="Times New Roman" panose="02020603050405020304" pitchFamily="18" charset="0"/>
+                  <a:cs typeface="Times New Roman" panose="02020603050405020304" pitchFamily="18" charset="0"/>
+                </a:rPr>
+                <a:t>cGAN</a:t>
+              </a:r>
+              <a:r>
+                <a:rPr lang="en-US" altLang="zh-CN" sz="1400" b="1" dirty="0">
+                  <a:latin typeface="Times New Roman" panose="02020603050405020304" pitchFamily="18" charset="0"/>
+                  <a:cs typeface="Times New Roman" panose="02020603050405020304" pitchFamily="18" charset="0"/>
+                </a:rPr>
+                <a:t>): 0.0458</a:t>
+              </a:r>
+            </a:p>
+            <a:p>
               <a:endParaRPr lang="zh-CN" altLang="en-US" sz="1400" b="1" dirty="0">
                 <a:latin typeface="Times New Roman" panose="02020603050405020304" pitchFamily="18" charset="0"/>
                 <a:cs typeface="Times New Roman" panose="02020603050405020304" pitchFamily="18" charset="0"/>
@@ -4092,7 +4426,7 @@
     </p:spTree>
     <p:extLst>
       <p:ext uri="{BB962C8B-B14F-4D97-AF65-F5344CB8AC3E}">
-        <p14:creationId xmlns:p14="http://schemas.microsoft.com/office/powerpoint/2010/main" val="1717797643"/>
+        <p14:creationId xmlns:p14="http://schemas.microsoft.com/office/powerpoint/2010/main" val="3353096649"/>
       </p:ext>
     </p:extLst>
   </p:cSld>
